--- a/Projet/soutenance.pptx
+++ b/Projet/soutenance.pptx
@@ -6,14 +6,13 @@
     <p:sldMasterId id="2147483700" r:id="rId2"/>
   </p:sldMasterIdLst>
   <p:notesMasterIdLst>
-    <p:notesMasterId r:id="rId8"/>
+    <p:notesMasterId r:id="rId7"/>
   </p:notesMasterIdLst>
   <p:sldIdLst>
     <p:sldId id="256" r:id="rId3"/>
     <p:sldId id="257" r:id="rId4"/>
     <p:sldId id="258" r:id="rId5"/>
     <p:sldId id="259" r:id="rId6"/>
-    <p:sldId id="260" r:id="rId7"/>
   </p:sldIdLst>
   <p:sldSz cx="9144000" cy="6858000" type="screen4x3"/>
   <p:notesSz cx="6858000" cy="9144000"/>
@@ -121,7 +120,6 @@
             <p14:sldId id="257"/>
             <p14:sldId id="258"/>
             <p14:sldId id="259"/>
-            <p14:sldId id="260"/>
           </p14:sldIdLst>
         </p14:section>
       </p14:sectionLst>
@@ -8409,82 +8407,6 @@
     <p:extLst>
       <p:ext uri="{BB962C8B-B14F-4D97-AF65-F5344CB8AC3E}">
         <p14:creationId xmlns:p14="http://schemas.microsoft.com/office/powerpoint/2010/main" val="1009018247"/>
-      </p:ext>
-    </p:extLst>
-  </p:cSld>
-  <p:clrMapOvr>
-    <a:masterClrMapping/>
-  </p:clrMapOvr>
-  <p:timing>
-    <p:tnLst>
-      <p:par>
-        <p:cTn id="1" dur="indefinite" restart="never" nodeType="tmRoot"/>
-      </p:par>
-    </p:tnLst>
-  </p:timing>
-</p:sld>
-</file>
-
-<file path=ppt/slides/slide5.xml><?xml version="1.0" encoding="utf-8"?>
-<p:sld xmlns:a="http://schemas.openxmlformats.org/drawingml/2006/main" xmlns:r="http://schemas.openxmlformats.org/officeDocument/2006/relationships" xmlns:p="http://schemas.openxmlformats.org/presentationml/2006/main">
-  <p:cSld>
-    <p:spTree>
-      <p:nvGrpSpPr>
-        <p:cNvPr id="1" name=""/>
-        <p:cNvGrpSpPr/>
-        <p:nvPr/>
-      </p:nvGrpSpPr>
-      <p:grpSpPr>
-        <a:xfrm>
-          <a:off x="0" y="0"/>
-          <a:ext cx="0" cy="0"/>
-          <a:chOff x="0" y="0"/>
-          <a:chExt cx="0" cy="0"/>
-        </a:xfrm>
-      </p:grpSpPr>
-      <p:sp>
-        <p:nvSpPr>
-          <p:cNvPr id="2" name="TextBox 1"/>
-          <p:cNvSpPr txBox="1"/>
-          <p:nvPr/>
-        </p:nvSpPr>
-        <p:spPr>
-          <a:xfrm>
-            <a:off x="1403648" y="2492896"/>
-            <a:ext cx="6316496" cy="1754326"/>
-          </a:xfrm>
-          <a:prstGeom prst="rect">
-            <a:avLst/>
-          </a:prstGeom>
-          <a:noFill/>
-        </p:spPr>
-        <p:txBody>
-          <a:bodyPr wrap="square" rtlCol="0">
-            <a:spAutoFit/>
-          </a:bodyPr>
-          <a:lstStyle/>
-          <a:p>
-            <a:pPr algn="ctr"/>
-            <a:r>
-              <a:rPr lang="fr-FR" sz="5400" dirty="0" smtClean="0"/>
-              <a:t>Place à </a:t>
-            </a:r>
-            <a:r>
-              <a:rPr lang="fr-FR" sz="5400" smtClean="0"/>
-              <a:t>la </a:t>
-            </a:r>
-            <a:r>
-              <a:rPr lang="fr-FR" sz="5400" smtClean="0"/>
-              <a:t>démonstration</a:t>
-            </a:r>
-            <a:endParaRPr lang="fr-FR" sz="5400" dirty="0"/>
-          </a:p>
-        </p:txBody>
-      </p:sp>
-    </p:spTree>
-    <p:extLst>
-      <p:ext uri="{BB962C8B-B14F-4D97-AF65-F5344CB8AC3E}">
-        <p14:creationId xmlns:p14="http://schemas.microsoft.com/office/powerpoint/2010/main" val="4170601898"/>
       </p:ext>
     </p:extLst>
   </p:cSld>
